--- a/3. Sustainable Transport and Distribution Logistics/Course/12. FCL Costs/012 30 nov F Sjötranporter FCL Kostnader.pptx
+++ b/3. Sustainable Transport and Distribution Logistics/Course/12. FCL Costs/012 30 nov F Sjötranporter FCL Kostnader.pptx
@@ -214,7 +214,7 @@
           <a:p>
             <a:fld id="{74637962-4ACB-4308-BC56-B3E0D1486961}" type="datetimeFigureOut">
               <a:rPr lang="sv-SE" smtClean="0"/>
-              <a:t>2022-11-22</a:t>
+              <a:t>2023-12-14</a:t>
             </a:fld>
             <a:endParaRPr lang="sv-SE"/>
           </a:p>
@@ -500,7 +500,7 @@
       </p:grpSpPr>
       <p:sp>
         <p:nvSpPr>
-          <p:cNvPr id="2" name="Platshållare för bildobjekt 1"/>
+          <p:cNvPr id="2" name="Slide Image Placeholder 1"/>
           <p:cNvSpPr>
             <a:spLocks noGrp="1" noRot="1" noChangeAspect="1"/>
           </p:cNvSpPr>
@@ -512,7 +512,7 @@
       </p:sp>
       <p:sp>
         <p:nvSpPr>
-          <p:cNvPr id="3" name="Platshållare för anteckningar 2"/>
+          <p:cNvPr id="3" name="Notes Placeholder 2"/>
           <p:cNvSpPr>
             <a:spLocks noGrp="1"/>
           </p:cNvSpPr>
@@ -525,18 +525,102 @@
           <a:bodyPr/>
           <a:lstStyle/>
           <a:p>
-            <a:endParaRPr lang="sv-SE" dirty="0"/>
-          </a:p>
-        </p:txBody>
-      </p:sp>
-      <p:sp>
-        <p:nvSpPr>
-          <p:cNvPr id="4" name="Platshållare för bildnummer 3"/>
+            <a:r>
+              <a:rPr lang="en-GB" dirty="0"/>
+              <a:t>The elements of pricing</a:t>
+            </a:r>
+          </a:p>
+          <a:p>
+            <a:pPr marL="171450" indent="-171450">
+              <a:buFont typeface="Arial" panose="020B0604020202020204" pitchFamily="34" charset="0"/>
+              <a:buChar char="•"/>
+            </a:pPr>
+            <a:r>
+              <a:rPr lang="en-GB" dirty="0"/>
+              <a:t>The terms of delivery</a:t>
+            </a:r>
+          </a:p>
+          <a:p>
+            <a:pPr marL="171450" indent="-171450">
+              <a:buFont typeface="Arial" panose="020B0604020202020204" pitchFamily="34" charset="0"/>
+              <a:buChar char="•"/>
+            </a:pPr>
+            <a:r>
+              <a:rPr lang="en-GB" dirty="0"/>
+              <a:t>Local costs</a:t>
+            </a:r>
+          </a:p>
+          <a:p>
+            <a:pPr marL="628650" lvl="1" indent="-171450">
+              <a:buFont typeface="Arial" panose="020B0604020202020204" pitchFamily="34" charset="0"/>
+              <a:buChar char="•"/>
+            </a:pPr>
+            <a:r>
+              <a:rPr lang="en-GB" dirty="0"/>
+              <a:t>Pickup</a:t>
+            </a:r>
+          </a:p>
+          <a:p>
+            <a:pPr marL="171450" indent="-171450">
+              <a:buFont typeface="Arial" panose="020B0604020202020204" pitchFamily="34" charset="0"/>
+              <a:buChar char="•"/>
+            </a:pPr>
+            <a:r>
+              <a:rPr lang="en-GB" dirty="0"/>
+              <a:t>Port costs</a:t>
+            </a:r>
+          </a:p>
+          <a:p>
+            <a:pPr marL="171450" indent="-171450">
+              <a:buFont typeface="Arial" panose="020B0604020202020204" pitchFamily="34" charset="0"/>
+              <a:buChar char="•"/>
+            </a:pPr>
+            <a:r>
+              <a:rPr lang="en-GB" dirty="0"/>
+              <a:t>Sea freight</a:t>
+            </a:r>
+          </a:p>
+          <a:p>
+            <a:pPr marL="171450" indent="-171450">
+              <a:buFont typeface="Arial" panose="020B0604020202020204" pitchFamily="34" charset="0"/>
+              <a:buChar char="•"/>
+            </a:pPr>
+            <a:r>
+              <a:rPr lang="en-GB" dirty="0"/>
+              <a:t>Delivery</a:t>
+            </a:r>
+          </a:p>
+          <a:p>
+            <a:pPr marL="171450" indent="-171450">
+              <a:buFont typeface="Arial" panose="020B0604020202020204" pitchFamily="34" charset="0"/>
+              <a:buChar char="•"/>
+            </a:pPr>
+            <a:r>
+              <a:rPr lang="en-GB" dirty="0"/>
+              <a:t>Customs</a:t>
+            </a:r>
+          </a:p>
+          <a:p>
+            <a:pPr marL="171450" indent="-171450">
+              <a:buFont typeface="Arial" panose="020B0604020202020204" pitchFamily="34" charset="0"/>
+              <a:buChar char="•"/>
+            </a:pPr>
+            <a:r>
+              <a:rPr lang="en-GB" dirty="0"/>
+              <a:t>Fee</a:t>
+            </a:r>
+            <a:endParaRPr lang="en-US" dirty="0"/>
+          </a:p>
+        </p:txBody>
+      </p:sp>
+      <p:sp>
+        <p:nvSpPr>
+          <p:cNvPr id="4" name="Slide Number Placeholder 3"/>
           <p:cNvSpPr>
             <a:spLocks noGrp="1"/>
           </p:cNvSpPr>
           <p:nvPr>
-            <p:ph type="sldNum" sz="quarter" idx="10"/>
+            <p:ph type="sldNum" sz="quarter" idx="5"/>
           </p:nvPr>
         </p:nvSpPr>
         <p:spPr/>
@@ -546,7 +630,7 @@
           <a:p>
             <a:fld id="{ACEB2746-D143-4F14-BBBF-9F419B8E2183}" type="slidenum">
               <a:rPr lang="sv-SE" smtClean="0"/>
-              <a:t>2</a:t>
+              <a:t>1</a:t>
             </a:fld>
             <a:endParaRPr lang="sv-SE"/>
           </a:p>
@@ -555,7 +639,7 @@
     </p:spTree>
     <p:extLst>
       <p:ext uri="{BB962C8B-B14F-4D97-AF65-F5344CB8AC3E}">
-        <p14:creationId xmlns:p14="http://schemas.microsoft.com/office/powerpoint/2010/main" val="2924797293"/>
+        <p14:creationId xmlns:p14="http://schemas.microsoft.com/office/powerpoint/2010/main" val="2651575251"/>
       </p:ext>
     </p:extLst>
   </p:cSld>
@@ -609,7 +693,7 @@
           <a:bodyPr/>
           <a:lstStyle/>
           <a:p>
-            <a:endParaRPr lang="sv-SE"/>
+            <a:endParaRPr lang="sv-SE" dirty="0"/>
           </a:p>
         </p:txBody>
       </p:sp>
@@ -628,9 +712,9 @@
           <a:bodyPr/>
           <a:lstStyle/>
           <a:p>
-            <a:fld id="{01A50620-1906-437D-BF73-4FB3704EA5AE}" type="slidenum">
+            <a:fld id="{30B8B971-2B3C-4A95-8C94-6F8D280E87F4}" type="slidenum">
               <a:rPr lang="sv-SE" smtClean="0"/>
-              <a:t>12</a:t>
+              <a:t>10</a:t>
             </a:fld>
             <a:endParaRPr lang="sv-SE"/>
           </a:p>
@@ -639,7 +723,7 @@
     </p:spTree>
     <p:extLst>
       <p:ext uri="{BB962C8B-B14F-4D97-AF65-F5344CB8AC3E}">
-        <p14:creationId xmlns:p14="http://schemas.microsoft.com/office/powerpoint/2010/main" val="821902346"/>
+        <p14:creationId xmlns:p14="http://schemas.microsoft.com/office/powerpoint/2010/main" val="1336166827"/>
       </p:ext>
     </p:extLst>
   </p:cSld>
@@ -693,25 +777,140 @@
           <a:bodyPr/>
           <a:lstStyle/>
           <a:p>
-            <a:r>
-              <a:rPr lang="sv-SE" dirty="0"/>
-              <a:t>Sjötrafik</a:t>
-            </a:r>
-          </a:p>
-          <a:p>
-            <a:r>
-              <a:rPr lang="sv-SE" dirty="0"/>
-              <a:t>För transport sjövägen beror tidsfristen på hur dina varor är packade på fartyget.</a:t>
-            </a:r>
-          </a:p>
-          <a:p>
+            <a:pPr marL="171450" indent="-171450">
+              <a:buFont typeface="Arial" panose="020B0604020202020204" pitchFamily="34" charset="0"/>
+              <a:buChar char="•"/>
+            </a:pPr>
+            <a:r>
+              <a:rPr lang="en-GB" dirty="0"/>
+              <a:t>Arrival – Partner</a:t>
+            </a:r>
+          </a:p>
+          <a:p>
+            <a:pPr marL="628650" lvl="1" indent="-171450">
+              <a:buFont typeface="Arial" panose="020B0604020202020204" pitchFamily="34" charset="0"/>
+              <a:buChar char="•"/>
+            </a:pPr>
+            <a:r>
+              <a:rPr lang="en-GB" dirty="0"/>
+              <a:t>Port costs</a:t>
+            </a:r>
+          </a:p>
+          <a:p>
+            <a:pPr marL="1085850" lvl="2" indent="-171450">
+              <a:buFont typeface="Arial" panose="020B0604020202020204" pitchFamily="34" charset="0"/>
+              <a:buChar char="•"/>
+            </a:pPr>
+            <a:r>
+              <a:rPr lang="en-GB" dirty="0"/>
+              <a:t>THC, ISPS etc.</a:t>
+            </a:r>
+          </a:p>
+          <a:p>
+            <a:pPr marL="1543050" lvl="3" indent="-171450">
+              <a:buFont typeface="Arial" panose="020B0604020202020204" pitchFamily="34" charset="0"/>
+              <a:buChar char="•"/>
+            </a:pPr>
+            <a:r>
+              <a:rPr lang="en-GB" dirty="0"/>
+              <a:t>Corresponding as in port of departure</a:t>
+            </a:r>
+          </a:p>
+          <a:p>
+            <a:pPr marL="628650" lvl="1" indent="-171450">
+              <a:buFont typeface="Arial" panose="020B0604020202020204" pitchFamily="34" charset="0"/>
+              <a:buChar char="•"/>
+            </a:pPr>
+            <a:r>
+              <a:rPr lang="en-GB" dirty="0"/>
+              <a:t>Delivery</a:t>
+            </a:r>
+          </a:p>
+          <a:p>
+            <a:pPr marL="1085850" lvl="2" indent="-171450">
+              <a:buFont typeface="Arial" panose="020B0604020202020204" pitchFamily="34" charset="0"/>
+              <a:buChar char="•"/>
+            </a:pPr>
+            <a:r>
+              <a:rPr lang="en-GB" dirty="0"/>
+              <a:t>Country specific</a:t>
+            </a:r>
+          </a:p>
+          <a:p>
+            <a:pPr marL="1543050" lvl="3" indent="-171450">
+              <a:buFont typeface="Arial" panose="020B0604020202020204" pitchFamily="34" charset="0"/>
+              <a:buChar char="•"/>
+            </a:pPr>
+            <a:r>
+              <a:rPr lang="en-GB" dirty="0"/>
+              <a:t>Zone</a:t>
+            </a:r>
+          </a:p>
+          <a:p>
+            <a:pPr marL="1543050" lvl="3" indent="-171450">
+              <a:buFont typeface="Arial" panose="020B0604020202020204" pitchFamily="34" charset="0"/>
+              <a:buChar char="•"/>
+            </a:pPr>
+            <a:r>
+              <a:rPr lang="en-GB" dirty="0"/>
+              <a:t>Distance</a:t>
+            </a:r>
+          </a:p>
+          <a:p>
+            <a:pPr marL="1543050" lvl="3" indent="-171450">
+              <a:buFont typeface="Arial" panose="020B0604020202020204" pitchFamily="34" charset="0"/>
+              <a:buChar char="•"/>
+            </a:pPr>
+            <a:r>
+              <a:rPr lang="en-GB" dirty="0"/>
+              <a:t>Time</a:t>
+            </a:r>
+          </a:p>
+          <a:p>
+            <a:pPr marL="628650" lvl="1" indent="-171450">
+              <a:buFont typeface="Arial" panose="020B0604020202020204" pitchFamily="34" charset="0"/>
+              <a:buChar char="•"/>
+            </a:pPr>
+            <a:r>
+              <a:rPr lang="en-GB" dirty="0"/>
+              <a:t>Pricing varies</a:t>
+            </a:r>
+          </a:p>
+          <a:p>
+            <a:pPr marL="1085850" lvl="2" indent="-171450">
+              <a:buFont typeface="Arial" panose="020B0604020202020204" pitchFamily="34" charset="0"/>
+              <a:buChar char="•"/>
+            </a:pPr>
+            <a:r>
+              <a:rPr lang="en-GB" dirty="0"/>
+              <a:t>Per </a:t>
+            </a:r>
+            <a:r>
+              <a:rPr lang="en-GB" dirty="0" err="1"/>
+              <a:t>teu</a:t>
+            </a:r>
+            <a:endParaRPr lang="en-GB" dirty="0"/>
+          </a:p>
+          <a:p>
+            <a:pPr marL="1085850" lvl="2" indent="-171450">
+              <a:buFont typeface="Arial" panose="020B0604020202020204" pitchFamily="34" charset="0"/>
+              <a:buChar char="•"/>
+            </a:pPr>
+            <a:r>
+              <a:rPr lang="en-GB" dirty="0"/>
+              <a:t>Per container</a:t>
+            </a:r>
+          </a:p>
+          <a:p>
+            <a:pPr marL="1085850" lvl="2" indent="-171450">
+              <a:buFont typeface="Arial" panose="020B0604020202020204" pitchFamily="34" charset="0"/>
+              <a:buChar char="•"/>
+            </a:pPr>
+            <a:r>
+              <a:rPr lang="en-GB" dirty="0"/>
+              <a:t>Weight based</a:t>
+            </a:r>
             <a:endParaRPr lang="sv-SE" dirty="0"/>
-          </a:p>
-          <a:p>
-            <a:r>
-              <a:rPr lang="sv-SE" dirty="0"/>
-              <a:t>I container: 24 timmar innan godset lastas på det fartyg med vilket godset ska lämna EU</a:t>
-            </a:r>
           </a:p>
         </p:txBody>
       </p:sp>
@@ -730,9 +929,9 @@
           <a:bodyPr/>
           <a:lstStyle/>
           <a:p>
-            <a:fld id="{30B8B971-2B3C-4A95-8C94-6F8D280E87F4}" type="slidenum">
+            <a:fld id="{01A50620-1906-437D-BF73-4FB3704EA5AE}" type="slidenum">
               <a:rPr lang="sv-SE" smtClean="0"/>
-              <a:t>13</a:t>
+              <a:t>12</a:t>
             </a:fld>
             <a:endParaRPr lang="sv-SE"/>
           </a:p>
@@ -741,7 +940,7 @@
     </p:spTree>
     <p:extLst>
       <p:ext uri="{BB962C8B-B14F-4D97-AF65-F5344CB8AC3E}">
-        <p14:creationId xmlns:p14="http://schemas.microsoft.com/office/powerpoint/2010/main" val="769385756"/>
+        <p14:creationId xmlns:p14="http://schemas.microsoft.com/office/powerpoint/2010/main" val="821902346"/>
       </p:ext>
     </p:extLst>
   </p:cSld>
@@ -795,7 +994,25 @@
           <a:bodyPr/>
           <a:lstStyle/>
           <a:p>
-            <a:endParaRPr lang="sv-SE"/>
+            <a:r>
+              <a:rPr lang="sv-SE" dirty="0"/>
+              <a:t>Sjötrafik</a:t>
+            </a:r>
+          </a:p>
+          <a:p>
+            <a:r>
+              <a:rPr lang="sv-SE" dirty="0"/>
+              <a:t>För transport sjövägen beror tidsfristen på hur dina varor är packade på fartyget.</a:t>
+            </a:r>
+          </a:p>
+          <a:p>
+            <a:endParaRPr lang="sv-SE" dirty="0"/>
+          </a:p>
+          <a:p>
+            <a:r>
+              <a:rPr lang="sv-SE" dirty="0"/>
+              <a:t>I container: 24 timmar innan godset lastas på det fartyg med vilket godset ska lämna EU</a:t>
+            </a:r>
           </a:p>
         </p:txBody>
       </p:sp>
@@ -814,9 +1031,9 @@
           <a:bodyPr/>
           <a:lstStyle/>
           <a:p>
-            <a:fld id="{01A50620-1906-437D-BF73-4FB3704EA5AE}" type="slidenum">
+            <a:fld id="{30B8B971-2B3C-4A95-8C94-6F8D280E87F4}" type="slidenum">
               <a:rPr lang="sv-SE" smtClean="0"/>
-              <a:t>14</a:t>
+              <a:t>13</a:t>
             </a:fld>
             <a:endParaRPr lang="sv-SE"/>
           </a:p>
@@ -825,7 +1042,7 @@
     </p:spTree>
     <p:extLst>
       <p:ext uri="{BB962C8B-B14F-4D97-AF65-F5344CB8AC3E}">
-        <p14:creationId xmlns:p14="http://schemas.microsoft.com/office/powerpoint/2010/main" val="1770862108"/>
+        <p14:creationId xmlns:p14="http://schemas.microsoft.com/office/powerpoint/2010/main" val="769385756"/>
       </p:ext>
     </p:extLst>
   </p:cSld>
@@ -879,6 +1096,128 @@
           <a:bodyPr/>
           <a:lstStyle/>
           <a:p>
+            <a:endParaRPr lang="sv-SE"/>
+          </a:p>
+        </p:txBody>
+      </p:sp>
+      <p:sp>
+        <p:nvSpPr>
+          <p:cNvPr id="4" name="Platshållare för bildnummer 3"/>
+          <p:cNvSpPr>
+            <a:spLocks noGrp="1"/>
+          </p:cNvSpPr>
+          <p:nvPr>
+            <p:ph type="sldNum" sz="quarter" idx="10"/>
+          </p:nvPr>
+        </p:nvSpPr>
+        <p:spPr/>
+        <p:txBody>
+          <a:bodyPr/>
+          <a:lstStyle/>
+          <a:p>
+            <a:fld id="{01A50620-1906-437D-BF73-4FB3704EA5AE}" type="slidenum">
+              <a:rPr lang="sv-SE" smtClean="0"/>
+              <a:t>14</a:t>
+            </a:fld>
+            <a:endParaRPr lang="sv-SE"/>
+          </a:p>
+        </p:txBody>
+      </p:sp>
+    </p:spTree>
+    <p:extLst>
+      <p:ext uri="{BB962C8B-B14F-4D97-AF65-F5344CB8AC3E}">
+        <p14:creationId xmlns:p14="http://schemas.microsoft.com/office/powerpoint/2010/main" val="1770862108"/>
+      </p:ext>
+    </p:extLst>
+  </p:cSld>
+  <p:clrMapOvr>
+    <a:masterClrMapping/>
+  </p:clrMapOvr>
+</p:notes>
+</file>
+
+<file path=ppt/notesSlides/notesSlide14.xml><?xml version="1.0" encoding="utf-8"?>
+<p:notes xmlns:a="http://schemas.openxmlformats.org/drawingml/2006/main" xmlns:r="http://schemas.openxmlformats.org/officeDocument/2006/relationships" xmlns:p="http://schemas.openxmlformats.org/presentationml/2006/main">
+  <p:cSld>
+    <p:spTree>
+      <p:nvGrpSpPr>
+        <p:cNvPr id="1" name=""/>
+        <p:cNvGrpSpPr/>
+        <p:nvPr/>
+      </p:nvGrpSpPr>
+      <p:grpSpPr>
+        <a:xfrm>
+          <a:off x="0" y="0"/>
+          <a:ext cx="0" cy="0"/>
+          <a:chOff x="0" y="0"/>
+          <a:chExt cx="0" cy="0"/>
+        </a:xfrm>
+      </p:grpSpPr>
+      <p:sp>
+        <p:nvSpPr>
+          <p:cNvPr id="2" name="Platshållare för bildobjekt 1"/>
+          <p:cNvSpPr>
+            <a:spLocks noGrp="1" noRot="1" noChangeAspect="1"/>
+          </p:cNvSpPr>
+          <p:nvPr>
+            <p:ph type="sldImg"/>
+          </p:nvPr>
+        </p:nvSpPr>
+        <p:spPr/>
+      </p:sp>
+      <p:sp>
+        <p:nvSpPr>
+          <p:cNvPr id="3" name="Platshållare för anteckningar 2"/>
+          <p:cNvSpPr>
+            <a:spLocks noGrp="1"/>
+          </p:cNvSpPr>
+          <p:nvPr>
+            <p:ph type="body" idx="1"/>
+          </p:nvPr>
+        </p:nvSpPr>
+        <p:spPr/>
+        <p:txBody>
+          <a:bodyPr/>
+          <a:lstStyle/>
+          <a:p>
+            <a:r>
+              <a:rPr lang="en-GB" dirty="0"/>
+              <a:t>Pricing in different currencies and units</a:t>
+            </a:r>
+          </a:p>
+          <a:p>
+            <a:r>
+              <a:rPr lang="en-GB" dirty="0"/>
+              <a:t>Swedish costs SEK</a:t>
+            </a:r>
+          </a:p>
+          <a:p>
+            <a:r>
+              <a:rPr lang="en-GB" dirty="0"/>
+              <a:t>Pickup/Distribution</a:t>
+            </a:r>
+          </a:p>
+          <a:p>
+            <a:r>
+              <a:rPr lang="en-GB" dirty="0"/>
+              <a:t>Hauling</a:t>
+            </a:r>
+          </a:p>
+          <a:p>
+            <a:r>
+              <a:rPr lang="en-GB" dirty="0"/>
+              <a:t>THC FCL</a:t>
+            </a:r>
+          </a:p>
+          <a:p>
+            <a:r>
+              <a:rPr lang="en-GB" dirty="0"/>
+              <a:t>Per </a:t>
+            </a:r>
+            <a:r>
+              <a:rPr lang="en-GB" dirty="0" err="1"/>
+              <a:t>teu</a:t>
+            </a:r>
             <a:endParaRPr lang="sv-SE" dirty="0"/>
           </a:p>
         </p:txBody>
@@ -919,7 +1258,152 @@
 </p:notes>
 </file>
 
-<file path=ppt/notesSlides/notesSlide14.xml><?xml version="1.0" encoding="utf-8"?>
+<file path=ppt/notesSlides/notesSlide15.xml><?xml version="1.0" encoding="utf-8"?>
+<p:notes xmlns:a="http://schemas.openxmlformats.org/drawingml/2006/main" xmlns:r="http://schemas.openxmlformats.org/officeDocument/2006/relationships" xmlns:p="http://schemas.openxmlformats.org/presentationml/2006/main">
+  <p:cSld>
+    <p:spTree>
+      <p:nvGrpSpPr>
+        <p:cNvPr id="1" name=""/>
+        <p:cNvGrpSpPr/>
+        <p:nvPr/>
+      </p:nvGrpSpPr>
+      <p:grpSpPr>
+        <a:xfrm>
+          <a:off x="0" y="0"/>
+          <a:ext cx="0" cy="0"/>
+          <a:chOff x="0" y="0"/>
+          <a:chExt cx="0" cy="0"/>
+        </a:xfrm>
+      </p:grpSpPr>
+      <p:sp>
+        <p:nvSpPr>
+          <p:cNvPr id="2" name="Slide Image Placeholder 1"/>
+          <p:cNvSpPr>
+            <a:spLocks noGrp="1" noRot="1" noChangeAspect="1"/>
+          </p:cNvSpPr>
+          <p:nvPr>
+            <p:ph type="sldImg"/>
+          </p:nvPr>
+        </p:nvSpPr>
+        <p:spPr/>
+      </p:sp>
+      <p:sp>
+        <p:nvSpPr>
+          <p:cNvPr id="3" name="Notes Placeholder 2"/>
+          <p:cNvSpPr>
+            <a:spLocks noGrp="1"/>
+          </p:cNvSpPr>
+          <p:nvPr>
+            <p:ph type="body" idx="1"/>
+          </p:nvPr>
+        </p:nvSpPr>
+        <p:spPr/>
+        <p:txBody>
+          <a:bodyPr/>
+          <a:lstStyle/>
+          <a:p>
+            <a:r>
+              <a:rPr lang="en-GB" dirty="0"/>
+              <a:t>THC arrival port USD alt Country currency</a:t>
+            </a:r>
+          </a:p>
+          <a:p>
+            <a:r>
+              <a:rPr lang="en-GB" dirty="0"/>
+              <a:t>Per </a:t>
+            </a:r>
+            <a:r>
+              <a:rPr lang="en-GB" dirty="0" err="1"/>
+              <a:t>teu</a:t>
+            </a:r>
+            <a:endParaRPr lang="en-GB" dirty="0"/>
+          </a:p>
+          <a:p>
+            <a:r>
+              <a:rPr lang="en-GB" dirty="0"/>
+              <a:t>Distribution The country's currency</a:t>
+            </a:r>
+          </a:p>
+          <a:p>
+            <a:r>
+              <a:rPr lang="en-GB" dirty="0"/>
+              <a:t>Collection The country's currency</a:t>
+            </a:r>
+          </a:p>
+          <a:p>
+            <a:r>
+              <a:rPr lang="en-GB" dirty="0"/>
+              <a:t>Price list?</a:t>
+            </a:r>
+          </a:p>
+          <a:p>
+            <a:r>
+              <a:rPr lang="en-GB" dirty="0" err="1"/>
+              <a:t>Fuelsurcharge</a:t>
+            </a:r>
+            <a:r>
+              <a:rPr lang="en-GB" dirty="0"/>
+              <a:t> The country's currency</a:t>
+            </a:r>
+          </a:p>
+          <a:p>
+            <a:r>
+              <a:rPr lang="en-GB" dirty="0"/>
+              <a:t>%</a:t>
+            </a:r>
+          </a:p>
+          <a:p>
+            <a:r>
+              <a:rPr lang="en-GB" dirty="0"/>
+              <a:t>Customs clearance The country's currency</a:t>
+            </a:r>
+          </a:p>
+          <a:p>
+            <a:r>
+              <a:rPr lang="en-GB" dirty="0"/>
+              <a:t>Per shipment</a:t>
+            </a:r>
+            <a:endParaRPr lang="en-US" dirty="0"/>
+          </a:p>
+        </p:txBody>
+      </p:sp>
+      <p:sp>
+        <p:nvSpPr>
+          <p:cNvPr id="4" name="Slide Number Placeholder 3"/>
+          <p:cNvSpPr>
+            <a:spLocks noGrp="1"/>
+          </p:cNvSpPr>
+          <p:nvPr>
+            <p:ph type="sldNum" sz="quarter" idx="5"/>
+          </p:nvPr>
+        </p:nvSpPr>
+        <p:spPr/>
+        <p:txBody>
+          <a:bodyPr/>
+          <a:lstStyle/>
+          <a:p>
+            <a:fld id="{ACEB2746-D143-4F14-BBBF-9F419B8E2183}" type="slidenum">
+              <a:rPr lang="sv-SE" smtClean="0"/>
+              <a:t>16</a:t>
+            </a:fld>
+            <a:endParaRPr lang="sv-SE"/>
+          </a:p>
+        </p:txBody>
+      </p:sp>
+    </p:spTree>
+    <p:extLst>
+      <p:ext uri="{BB962C8B-B14F-4D97-AF65-F5344CB8AC3E}">
+        <p14:creationId xmlns:p14="http://schemas.microsoft.com/office/powerpoint/2010/main" val="62272637"/>
+      </p:ext>
+    </p:extLst>
+  </p:cSld>
+  <p:clrMapOvr>
+    <a:masterClrMapping/>
+  </p:clrMapOvr>
+</p:notes>
+</file>
+
+<file path=ppt/notesSlides/notesSlide16.xml><?xml version="1.0" encoding="utf-8"?>
 <p:notes xmlns:a="http://schemas.openxmlformats.org/drawingml/2006/main" xmlns:r="http://schemas.openxmlformats.org/officeDocument/2006/relationships" xmlns:p="http://schemas.openxmlformats.org/presentationml/2006/main">
   <p:cSld>
     <p:spTree>
@@ -1047,6 +1531,124 @@
           <a:bodyPr/>
           <a:lstStyle/>
           <a:p>
+            <a:pPr marL="171450" indent="-171450">
+              <a:buFont typeface="Arial" panose="020B0604020202020204" pitchFamily="34" charset="0"/>
+              <a:buChar char="•"/>
+            </a:pPr>
+            <a:r>
+              <a:rPr lang="en-GB" dirty="0"/>
+              <a:t>Database for shipping rates</a:t>
+            </a:r>
+          </a:p>
+          <a:p>
+            <a:pPr marL="628650" lvl="1" indent="-171450">
+              <a:buFont typeface="Arial" panose="020B0604020202020204" pitchFamily="34" charset="0"/>
+              <a:buChar char="•"/>
+            </a:pPr>
+            <a:r>
+              <a:rPr lang="en-GB" dirty="0"/>
+              <a:t>Sellers' tools</a:t>
+            </a:r>
+          </a:p>
+          <a:p>
+            <a:pPr marL="628650" lvl="1" indent="-171450">
+              <a:buFont typeface="Arial" panose="020B0604020202020204" pitchFamily="34" charset="0"/>
+              <a:buChar char="•"/>
+            </a:pPr>
+            <a:r>
+              <a:rPr lang="en-GB" dirty="0"/>
+              <a:t>Based on price</a:t>
+            </a:r>
+          </a:p>
+          <a:p>
+            <a:pPr marL="628650" lvl="1" indent="-171450">
+              <a:buFont typeface="Arial" panose="020B0604020202020204" pitchFamily="34" charset="0"/>
+              <a:buChar char="•"/>
+            </a:pPr>
+            <a:r>
+              <a:rPr lang="en-GB" dirty="0"/>
+              <a:t>Book with the right shipping company</a:t>
+            </a:r>
+          </a:p>
+          <a:p>
+            <a:pPr marL="171450" lvl="0" indent="-171450">
+              <a:buFont typeface="Arial" panose="020B0604020202020204" pitchFamily="34" charset="0"/>
+              <a:buChar char="•"/>
+            </a:pPr>
+            <a:r>
+              <a:rPr lang="en-GB" dirty="0"/>
+              <a:t>Database for prices with partners</a:t>
+            </a:r>
+          </a:p>
+          <a:p>
+            <a:pPr marL="628650" lvl="1" indent="-171450">
+              <a:buFont typeface="Arial" panose="020B0604020202020204" pitchFamily="34" charset="0"/>
+              <a:buChar char="•"/>
+            </a:pPr>
+            <a:r>
+              <a:rPr lang="en-GB" dirty="0"/>
+              <a:t>Pickup</a:t>
+            </a:r>
+          </a:p>
+          <a:p>
+            <a:pPr marL="628650" lvl="1" indent="-171450">
+              <a:buFont typeface="Arial" panose="020B0604020202020204" pitchFamily="34" charset="0"/>
+              <a:buChar char="•"/>
+            </a:pPr>
+            <a:r>
+              <a:rPr lang="en-GB" dirty="0"/>
+              <a:t>Delivery</a:t>
+            </a:r>
+          </a:p>
+          <a:p>
+            <a:pPr marL="628650" lvl="1" indent="-171450">
+              <a:buFont typeface="Arial" panose="020B0604020202020204" pitchFamily="34" charset="0"/>
+              <a:buChar char="•"/>
+            </a:pPr>
+            <a:r>
+              <a:rPr lang="en-GB" dirty="0"/>
+              <a:t>THC port</a:t>
+            </a:r>
+          </a:p>
+          <a:p>
+            <a:pPr marL="628650" lvl="1" indent="-171450">
+              <a:buFont typeface="Arial" panose="020B0604020202020204" pitchFamily="34" charset="0"/>
+              <a:buChar char="•"/>
+            </a:pPr>
+            <a:r>
+              <a:rPr lang="en-GB" dirty="0"/>
+              <a:t>Port costs</a:t>
+            </a:r>
+          </a:p>
+          <a:p>
+            <a:pPr marL="628650" lvl="1" indent="-171450">
+              <a:buFont typeface="Arial" panose="020B0604020202020204" pitchFamily="34" charset="0"/>
+              <a:buChar char="•"/>
+            </a:pPr>
+            <a:r>
+              <a:rPr lang="en-GB" dirty="0"/>
+              <a:t>Export declaration</a:t>
+            </a:r>
+          </a:p>
+          <a:p>
+            <a:pPr marL="628650" lvl="1" indent="-171450">
+              <a:buFont typeface="Arial" panose="020B0604020202020204" pitchFamily="34" charset="0"/>
+              <a:buChar char="•"/>
+            </a:pPr>
+            <a:r>
+              <a:rPr lang="en-GB" dirty="0"/>
+              <a:t>The fees</a:t>
+            </a:r>
+          </a:p>
+          <a:p>
+            <a:pPr marL="171450" lvl="0" indent="-171450">
+              <a:buFont typeface="Arial" panose="020B0604020202020204" pitchFamily="34" charset="0"/>
+              <a:buChar char="•"/>
+            </a:pPr>
+            <a:r>
+              <a:rPr lang="en-GB" dirty="0"/>
+              <a:t>Customer's terms of delivery</a:t>
+            </a:r>
             <a:endParaRPr lang="sv-SE" dirty="0"/>
           </a:p>
         </p:txBody>
@@ -1058,7 +1660,7 @@
             <a:spLocks noGrp="1"/>
           </p:cNvSpPr>
           <p:nvPr>
-            <p:ph type="sldNum" sz="quarter" idx="5"/>
+            <p:ph type="sldNum" sz="quarter" idx="10"/>
           </p:nvPr>
         </p:nvSpPr>
         <p:spPr/>
@@ -1068,7 +1670,7 @@
           <a:p>
             <a:fld id="{ACEB2746-D143-4F14-BBBF-9F419B8E2183}" type="slidenum">
               <a:rPr lang="sv-SE" smtClean="0"/>
-              <a:t>3</a:t>
+              <a:t>2</a:t>
             </a:fld>
             <a:endParaRPr lang="sv-SE"/>
           </a:p>
@@ -1077,7 +1679,7 @@
     </p:spTree>
     <p:extLst>
       <p:ext uri="{BB962C8B-B14F-4D97-AF65-F5344CB8AC3E}">
-        <p14:creationId xmlns:p14="http://schemas.microsoft.com/office/powerpoint/2010/main" val="1430487939"/>
+        <p14:creationId xmlns:p14="http://schemas.microsoft.com/office/powerpoint/2010/main" val="2924797293"/>
       </p:ext>
     </p:extLst>
   </p:cSld>
@@ -1114,12 +1716,7 @@
             <p:ph type="sldImg"/>
           </p:nvPr>
         </p:nvSpPr>
-        <p:spPr>
-          <a:xfrm>
-            <a:off x="381000" y="685800"/>
-            <a:ext cx="6096000" cy="3429000"/>
-          </a:xfrm>
-        </p:spPr>
+        <p:spPr/>
       </p:sp>
       <p:sp>
         <p:nvSpPr>
@@ -1147,7 +1744,7 @@
             <a:spLocks noGrp="1"/>
           </p:cNvSpPr>
           <p:nvPr>
-            <p:ph type="sldNum" sz="quarter" idx="10"/>
+            <p:ph type="sldNum" sz="quarter" idx="5"/>
           </p:nvPr>
         </p:nvSpPr>
         <p:spPr/>
@@ -1155,18 +1752,18 @@
           <a:bodyPr/>
           <a:lstStyle/>
           <a:p>
-            <a:fld id="{5D3224F7-D394-4928-A078-5218975F02C9}" type="slidenum">
+            <a:fld id="{ACEB2746-D143-4F14-BBBF-9F419B8E2183}" type="slidenum">
               <a:rPr lang="sv-SE" smtClean="0"/>
-              <a:t>4</a:t>
+              <a:t>3</a:t>
             </a:fld>
-            <a:endParaRPr lang="sv-SE" dirty="0"/>
+            <a:endParaRPr lang="sv-SE"/>
           </a:p>
         </p:txBody>
       </p:sp>
     </p:spTree>
     <p:extLst>
       <p:ext uri="{BB962C8B-B14F-4D97-AF65-F5344CB8AC3E}">
-        <p14:creationId xmlns:p14="http://schemas.microsoft.com/office/powerpoint/2010/main" val="1800372911"/>
+        <p14:creationId xmlns:p14="http://schemas.microsoft.com/office/powerpoint/2010/main" val="1430487939"/>
       </p:ext>
     </p:extLst>
   </p:cSld>
@@ -1246,7 +1843,7 @@
           <a:p>
             <a:fld id="{5D3224F7-D394-4928-A078-5218975F02C9}" type="slidenum">
               <a:rPr lang="sv-SE" smtClean="0"/>
-              <a:t>5</a:t>
+              <a:t>4</a:t>
             </a:fld>
             <a:endParaRPr lang="sv-SE" dirty="0"/>
           </a:p>
@@ -1255,7 +1852,7 @@
     </p:spTree>
     <p:extLst>
       <p:ext uri="{BB962C8B-B14F-4D97-AF65-F5344CB8AC3E}">
-        <p14:creationId xmlns:p14="http://schemas.microsoft.com/office/powerpoint/2010/main" val="1011190993"/>
+        <p14:creationId xmlns:p14="http://schemas.microsoft.com/office/powerpoint/2010/main" val="1800372911"/>
       </p:ext>
     </p:extLst>
   </p:cSld>
@@ -1335,7 +1932,7 @@
           <a:p>
             <a:fld id="{5D3224F7-D394-4928-A078-5218975F02C9}" type="slidenum">
               <a:rPr lang="sv-SE" smtClean="0"/>
-              <a:t>6</a:t>
+              <a:t>5</a:t>
             </a:fld>
             <a:endParaRPr lang="sv-SE" dirty="0"/>
           </a:p>
@@ -1344,7 +1941,7 @@
     </p:spTree>
     <p:extLst>
       <p:ext uri="{BB962C8B-B14F-4D97-AF65-F5344CB8AC3E}">
-        <p14:creationId xmlns:p14="http://schemas.microsoft.com/office/powerpoint/2010/main" val="1358756417"/>
+        <p14:creationId xmlns:p14="http://schemas.microsoft.com/office/powerpoint/2010/main" val="1011190993"/>
       </p:ext>
     </p:extLst>
   </p:cSld>
@@ -1373,13 +1970,24 @@
       </p:grpSpPr>
       <p:sp>
         <p:nvSpPr>
-          <p:cNvPr id="2" name="Platshållare för anteckningar 1">
-            <a:extLst>
-              <a:ext uri="{FF2B5EF4-FFF2-40B4-BE49-F238E27FC236}">
-                <a16:creationId xmlns:a16="http://schemas.microsoft.com/office/drawing/2014/main" id="{01A5B0F6-6BC2-4445-979C-B653B22BCF16}"/>
-              </a:ext>
-            </a:extLst>
-          </p:cNvPr>
+          <p:cNvPr id="2" name="Platshållare för bildobjekt 1"/>
+          <p:cNvSpPr>
+            <a:spLocks noGrp="1" noRot="1" noChangeAspect="1"/>
+          </p:cNvSpPr>
+          <p:nvPr>
+            <p:ph type="sldImg"/>
+          </p:nvPr>
+        </p:nvSpPr>
+        <p:spPr>
+          <a:xfrm>
+            <a:off x="381000" y="685800"/>
+            <a:ext cx="6096000" cy="3429000"/>
+          </a:xfrm>
+        </p:spPr>
+      </p:sp>
+      <p:sp>
+        <p:nvSpPr>
+          <p:cNvPr id="3" name="Platshållare för anteckningar 2"/>
           <p:cNvSpPr>
             <a:spLocks noGrp="1"/>
           </p:cNvSpPr>
@@ -1392,6 +2000,29 @@
           <a:bodyPr/>
           <a:lstStyle/>
           <a:p>
+            <a:endParaRPr lang="sv-SE" dirty="0"/>
+          </a:p>
+        </p:txBody>
+      </p:sp>
+      <p:sp>
+        <p:nvSpPr>
+          <p:cNvPr id="4" name="Platshållare för bildnummer 3"/>
+          <p:cNvSpPr>
+            <a:spLocks noGrp="1"/>
+          </p:cNvSpPr>
+          <p:nvPr>
+            <p:ph type="sldNum" sz="quarter" idx="10"/>
+          </p:nvPr>
+        </p:nvSpPr>
+        <p:spPr/>
+        <p:txBody>
+          <a:bodyPr/>
+          <a:lstStyle/>
+          <a:p>
+            <a:fld id="{5D3224F7-D394-4928-A078-5218975F02C9}" type="slidenum">
+              <a:rPr lang="sv-SE" smtClean="0"/>
+              <a:t>6</a:t>
+            </a:fld>
             <a:endParaRPr lang="sv-SE" dirty="0"/>
           </a:p>
         </p:txBody>
@@ -1399,7 +2030,7 @@
     </p:spTree>
     <p:extLst>
       <p:ext uri="{BB962C8B-B14F-4D97-AF65-F5344CB8AC3E}">
-        <p14:creationId xmlns:p14="http://schemas.microsoft.com/office/powerpoint/2010/main" val="3418504066"/>
+        <p14:creationId xmlns:p14="http://schemas.microsoft.com/office/powerpoint/2010/main" val="1358756417"/>
       </p:ext>
     </p:extLst>
   </p:cSld>
@@ -1428,19 +2059,13 @@
       </p:grpSpPr>
       <p:sp>
         <p:nvSpPr>
-          <p:cNvPr id="2" name="Platshållare för bildobjekt 1"/>
-          <p:cNvSpPr>
-            <a:spLocks noGrp="1" noRot="1" noChangeAspect="1"/>
-          </p:cNvSpPr>
-          <p:nvPr>
-            <p:ph type="sldImg"/>
-          </p:nvPr>
-        </p:nvSpPr>
-        <p:spPr/>
-      </p:sp>
-      <p:sp>
-        <p:nvSpPr>
-          <p:cNvPr id="3" name="Platshållare för anteckningar 2"/>
+          <p:cNvPr id="2" name="Platshållare för anteckningar 1">
+            <a:extLst>
+              <a:ext uri="{FF2B5EF4-FFF2-40B4-BE49-F238E27FC236}">
+                <a16:creationId xmlns:a16="http://schemas.microsoft.com/office/drawing/2014/main" id="{01A5B0F6-6BC2-4445-979C-B653B22BCF16}"/>
+              </a:ext>
+            </a:extLst>
+          </p:cNvPr>
           <p:cNvSpPr>
             <a:spLocks noGrp="1"/>
           </p:cNvSpPr>
@@ -1454,36 +2079,13 @@
           <a:lstStyle/>
           <a:p>
             <a:endParaRPr lang="sv-SE" dirty="0"/>
-          </a:p>
-        </p:txBody>
-      </p:sp>
-      <p:sp>
-        <p:nvSpPr>
-          <p:cNvPr id="4" name="Platshållare för bildnummer 3"/>
-          <p:cNvSpPr>
-            <a:spLocks noGrp="1"/>
-          </p:cNvSpPr>
-          <p:nvPr>
-            <p:ph type="sldNum" sz="quarter" idx="10"/>
-          </p:nvPr>
-        </p:nvSpPr>
-        <p:spPr/>
-        <p:txBody>
-          <a:bodyPr/>
-          <a:lstStyle/>
-          <a:p>
-            <a:fld id="{69A29C0E-5F6C-4F39-B0AC-0296CA5549B9}" type="slidenum">
-              <a:rPr lang="sv-SE" smtClean="0"/>
-              <a:t>8</a:t>
-            </a:fld>
-            <a:endParaRPr lang="sv-SE"/>
           </a:p>
         </p:txBody>
       </p:sp>
     </p:spTree>
     <p:extLst>
       <p:ext uri="{BB962C8B-B14F-4D97-AF65-F5344CB8AC3E}">
-        <p14:creationId xmlns:p14="http://schemas.microsoft.com/office/powerpoint/2010/main" val="1905491282"/>
+        <p14:creationId xmlns:p14="http://schemas.microsoft.com/office/powerpoint/2010/main" val="3418504066"/>
       </p:ext>
     </p:extLst>
   </p:cSld>
@@ -1537,7 +2139,7 @@
           <a:bodyPr/>
           <a:lstStyle/>
           <a:p>
-            <a:endParaRPr lang="sv-SE"/>
+            <a:endParaRPr lang="sv-SE" dirty="0"/>
           </a:p>
         </p:txBody>
       </p:sp>
@@ -1556,9 +2158,9 @@
           <a:bodyPr/>
           <a:lstStyle/>
           <a:p>
-            <a:fld id="{01A50620-1906-437D-BF73-4FB3704EA5AE}" type="slidenum">
+            <a:fld id="{69A29C0E-5F6C-4F39-B0AC-0296CA5549B9}" type="slidenum">
               <a:rPr lang="sv-SE" smtClean="0"/>
-              <a:t>9</a:t>
+              <a:t>8</a:t>
             </a:fld>
             <a:endParaRPr lang="sv-SE"/>
           </a:p>
@@ -1567,7 +2169,7 @@
     </p:spTree>
     <p:extLst>
       <p:ext uri="{BB962C8B-B14F-4D97-AF65-F5344CB8AC3E}">
-        <p14:creationId xmlns:p14="http://schemas.microsoft.com/office/powerpoint/2010/main" val="452348538"/>
+        <p14:creationId xmlns:p14="http://schemas.microsoft.com/office/powerpoint/2010/main" val="1905491282"/>
       </p:ext>
     </p:extLst>
   </p:cSld>
@@ -1621,7 +2223,7 @@
           <a:bodyPr/>
           <a:lstStyle/>
           <a:p>
-            <a:endParaRPr lang="sv-SE" dirty="0"/>
+            <a:endParaRPr lang="sv-SE"/>
           </a:p>
         </p:txBody>
       </p:sp>
@@ -1640,9 +2242,9 @@
           <a:bodyPr/>
           <a:lstStyle/>
           <a:p>
-            <a:fld id="{30B8B971-2B3C-4A95-8C94-6F8D280E87F4}" type="slidenum">
+            <a:fld id="{01A50620-1906-437D-BF73-4FB3704EA5AE}" type="slidenum">
               <a:rPr lang="sv-SE" smtClean="0"/>
-              <a:t>10</a:t>
+              <a:t>9</a:t>
             </a:fld>
             <a:endParaRPr lang="sv-SE"/>
           </a:p>
@@ -1651,7 +2253,7 @@
     </p:spTree>
     <p:extLst>
       <p:ext uri="{BB962C8B-B14F-4D97-AF65-F5344CB8AC3E}">
-        <p14:creationId xmlns:p14="http://schemas.microsoft.com/office/powerpoint/2010/main" val="1336166827"/>
+        <p14:creationId xmlns:p14="http://schemas.microsoft.com/office/powerpoint/2010/main" val="452348538"/>
       </p:ext>
     </p:extLst>
   </p:cSld>
@@ -1808,7 +2410,7 @@
           <a:p>
             <a:fld id="{EF357D65-5A4B-422E-8E81-ED612E1A52AD}" type="datetimeFigureOut">
               <a:rPr lang="sv-SE" smtClean="0"/>
-              <a:t>2022-11-22</a:t>
+              <a:t>2023-12-14</a:t>
             </a:fld>
             <a:endParaRPr lang="sv-SE"/>
           </a:p>
@@ -2006,7 +2608,7 @@
           <a:p>
             <a:fld id="{EF357D65-5A4B-422E-8E81-ED612E1A52AD}" type="datetimeFigureOut">
               <a:rPr lang="sv-SE" smtClean="0"/>
-              <a:t>2022-11-22</a:t>
+              <a:t>2023-12-14</a:t>
             </a:fld>
             <a:endParaRPr lang="sv-SE"/>
           </a:p>
@@ -2214,7 +2816,7 @@
           <a:p>
             <a:fld id="{EF357D65-5A4B-422E-8E81-ED612E1A52AD}" type="datetimeFigureOut">
               <a:rPr lang="sv-SE" smtClean="0"/>
-              <a:t>2022-11-22</a:t>
+              <a:t>2023-12-14</a:t>
             </a:fld>
             <a:endParaRPr lang="sv-SE"/>
           </a:p>
@@ -2412,7 +3014,7 @@
           <a:p>
             <a:fld id="{EF357D65-5A4B-422E-8E81-ED612E1A52AD}" type="datetimeFigureOut">
               <a:rPr lang="sv-SE" smtClean="0"/>
-              <a:t>2022-11-22</a:t>
+              <a:t>2023-12-14</a:t>
             </a:fld>
             <a:endParaRPr lang="sv-SE"/>
           </a:p>
@@ -2687,7 +3289,7 @@
           <a:p>
             <a:fld id="{EF357D65-5A4B-422E-8E81-ED612E1A52AD}" type="datetimeFigureOut">
               <a:rPr lang="sv-SE" smtClean="0"/>
-              <a:t>2022-11-22</a:t>
+              <a:t>2023-12-14</a:t>
             </a:fld>
             <a:endParaRPr lang="sv-SE"/>
           </a:p>
@@ -2952,7 +3554,7 @@
           <a:p>
             <a:fld id="{EF357D65-5A4B-422E-8E81-ED612E1A52AD}" type="datetimeFigureOut">
               <a:rPr lang="sv-SE" smtClean="0"/>
-              <a:t>2022-11-22</a:t>
+              <a:t>2023-12-14</a:t>
             </a:fld>
             <a:endParaRPr lang="sv-SE"/>
           </a:p>
@@ -3364,7 +3966,7 @@
           <a:p>
             <a:fld id="{EF357D65-5A4B-422E-8E81-ED612E1A52AD}" type="datetimeFigureOut">
               <a:rPr lang="sv-SE" smtClean="0"/>
-              <a:t>2022-11-22</a:t>
+              <a:t>2023-12-14</a:t>
             </a:fld>
             <a:endParaRPr lang="sv-SE"/>
           </a:p>
@@ -3505,7 +4107,7 @@
           <a:p>
             <a:fld id="{EF357D65-5A4B-422E-8E81-ED612E1A52AD}" type="datetimeFigureOut">
               <a:rPr lang="sv-SE" smtClean="0"/>
-              <a:t>2022-11-22</a:t>
+              <a:t>2023-12-14</a:t>
             </a:fld>
             <a:endParaRPr lang="sv-SE"/>
           </a:p>
@@ -3618,7 +4220,7 @@
           <a:p>
             <a:fld id="{EF357D65-5A4B-422E-8E81-ED612E1A52AD}" type="datetimeFigureOut">
               <a:rPr lang="sv-SE" smtClean="0"/>
-              <a:t>2022-11-22</a:t>
+              <a:t>2023-12-14</a:t>
             </a:fld>
             <a:endParaRPr lang="sv-SE"/>
           </a:p>
@@ -3929,7 +4531,7 @@
           <a:p>
             <a:fld id="{EF357D65-5A4B-422E-8E81-ED612E1A52AD}" type="datetimeFigureOut">
               <a:rPr lang="sv-SE" smtClean="0"/>
-              <a:t>2022-11-22</a:t>
+              <a:t>2023-12-14</a:t>
             </a:fld>
             <a:endParaRPr lang="sv-SE"/>
           </a:p>
@@ -4217,7 +4819,7 @@
           <a:p>
             <a:fld id="{EF357D65-5A4B-422E-8E81-ED612E1A52AD}" type="datetimeFigureOut">
               <a:rPr lang="sv-SE" smtClean="0"/>
-              <a:t>2022-11-22</a:t>
+              <a:t>2023-12-14</a:t>
             </a:fld>
             <a:endParaRPr lang="sv-SE"/>
           </a:p>
@@ -4458,7 +5060,7 @@
           <a:p>
             <a:fld id="{EF357D65-5A4B-422E-8E81-ED612E1A52AD}" type="datetimeFigureOut">
               <a:rPr lang="sv-SE" smtClean="0"/>
-              <a:t>2022-11-22</a:t>
+              <a:t>2023-12-14</a:t>
             </a:fld>
             <a:endParaRPr lang="sv-SE"/>
           </a:p>
@@ -4898,7 +5500,7 @@
           <p:nvPr/>
         </p:nvPicPr>
         <p:blipFill rotWithShape="1">
-          <a:blip r:embed="rId2"/>
+          <a:blip r:embed="rId3"/>
           <a:srcRect l="21771" r="11726" b="1"/>
           <a:stretch/>
         </p:blipFill>
@@ -5035,18 +5637,6 @@
               <a:rPr lang="sv-SE" dirty="0"/>
               <a:t>Arvode</a:t>
             </a:r>
-          </a:p>
-          <a:p>
-            <a:pPr lvl="1"/>
-            <a:endParaRPr lang="sv-SE" sz="2000" dirty="0"/>
-          </a:p>
-          <a:p>
-            <a:pPr lvl="1"/>
-            <a:endParaRPr lang="sv-SE" sz="2000" dirty="0"/>
-          </a:p>
-          <a:p>
-            <a:pPr lvl="1"/>
-            <a:endParaRPr lang="sv-SE" sz="2000" dirty="0"/>
           </a:p>
         </p:txBody>
       </p:sp>
@@ -7083,24 +7673,6 @@
               <a:rPr lang="sv-SE" dirty="0" err="1"/>
               <a:t>teu</a:t>
             </a:r>
-            <a:endParaRPr lang="sv-SE" dirty="0"/>
-          </a:p>
-          <a:p>
-            <a:pPr marL="0" indent="0">
-              <a:buNone/>
-            </a:pPr>
-            <a:endParaRPr lang="sv-SE" dirty="0"/>
-          </a:p>
-          <a:p>
-            <a:pPr marL="0" indent="0">
-              <a:buNone/>
-            </a:pPr>
-            <a:endParaRPr lang="sv-SE" dirty="0"/>
-          </a:p>
-          <a:p>
-            <a:pPr marL="0" indent="0">
-              <a:buNone/>
-            </a:pPr>
             <a:endParaRPr lang="sv-SE" dirty="0"/>
           </a:p>
         </p:txBody>
@@ -7822,7 +8394,7 @@
           <p:nvPr/>
         </p:nvPicPr>
         <p:blipFill rotWithShape="1">
-          <a:blip r:embed="rId2"/>
+          <a:blip r:embed="rId3"/>
           <a:srcRect l="14185" t="-5009" r="17636" b="5009"/>
           <a:stretch/>
         </p:blipFill>
@@ -8072,7 +8644,7 @@
           <p:nvPr/>
         </p:nvPicPr>
         <p:blipFill>
-          <a:blip r:embed="rId3"/>
+          <a:blip r:embed="rId4"/>
           <a:stretch>
             <a:fillRect/>
           </a:stretch>
@@ -8102,7 +8674,7 @@
           <p:nvPr/>
         </p:nvPicPr>
         <p:blipFill rotWithShape="1">
-          <a:blip r:embed="rId4"/>
+          <a:blip r:embed="rId5"/>
           <a:srcRect r="52909"/>
           <a:stretch/>
         </p:blipFill>
@@ -8131,7 +8703,7 @@
           <p:nvPr/>
         </p:nvPicPr>
         <p:blipFill>
-          <a:blip r:embed="rId5"/>
+          <a:blip r:embed="rId6"/>
           <a:stretch>
             <a:fillRect/>
           </a:stretch>
@@ -9405,14 +9977,6 @@
               <a:rPr lang="sv-SE" sz="2000" dirty="0"/>
               <a:t>Kundens leveransvillkor</a:t>
             </a:r>
-          </a:p>
-          <a:p>
-            <a:pPr lvl="1"/>
-            <a:endParaRPr lang="sv-SE" sz="1900" dirty="0"/>
-          </a:p>
-          <a:p>
-            <a:pPr lvl="1"/>
-            <a:endParaRPr lang="sv-SE" sz="1900" dirty="0"/>
           </a:p>
         </p:txBody>
       </p:sp>
